--- a/excel/Excel Beg to Adv.pptx
+++ b/excel/Excel Beg to Adv.pptx
@@ -13627,7 +13627,7 @@
         </p:nvSpPr>
         <p:spPr>
           <a:xfrm>
-            <a:off x="3048000" y="3244850"/>
+            <a:off x="534035" y="3176270"/>
             <a:ext cx="8990965" cy="645160"/>
           </a:xfrm>
           <a:prstGeom prst="rect">
@@ -15872,6 +15872,28 @@
           </a:p>
         </p:txBody>
       </p:sp>
+      <p:pic>
+        <p:nvPicPr>
+          <p:cNvPr id="4" name="Picture 3"/>
+          <p:cNvPicPr/>
+          <p:nvPr/>
+        </p:nvPicPr>
+        <p:blipFill>
+          <a:blip r:embed="rId8"/>
+          <a:stretch>
+            <a:fillRect/>
+          </a:stretch>
+        </p:blipFill>
+        <p:spPr>
+          <a:xfrm>
+            <a:off x="4770755" y="3181350"/>
+            <a:ext cx="7037705" cy="2023745"/>
+          </a:xfrm>
+          <a:prstGeom prst="rect">
+            <a:avLst/>
+          </a:prstGeom>
+        </p:spPr>
+      </p:pic>
     </p:spTree>
   </p:cSld>
   <p:clrMapOvr>

--- a/excel/Excel Beg to Adv.pptx
+++ b/excel/Excel Beg to Adv.pptx
@@ -14873,7 +14873,7 @@
         </p:nvSpPr>
         <p:spPr>
           <a:xfrm>
-            <a:off x="627529" y="3869703"/>
+            <a:off x="627529" y="3879863"/>
             <a:ext cx="6096000" cy="1200329"/>
           </a:xfrm>
           <a:prstGeom prst="rect">
@@ -15399,6 +15399,64 @@
               <a:t>https://www.educba.com/cell-reference-in-excel/</a:t>
             </a:r>
             <a:endParaRPr lang="en-IN" dirty="0"/>
+          </a:p>
+        </p:txBody>
+      </p:sp>
+      <p:sp>
+        <p:nvSpPr>
+          <p:cNvPr id="2" name="Text Box 1"/>
+          <p:cNvSpPr txBox="1"/>
+          <p:nvPr/>
+        </p:nvSpPr>
+        <p:spPr>
+          <a:xfrm>
+            <a:off x="5151755" y="4424045"/>
+            <a:ext cx="6946900" cy="645160"/>
+          </a:xfrm>
+          <a:prstGeom prst="rect">
+            <a:avLst/>
+          </a:prstGeom>
+          <a:noFill/>
+        </p:spPr>
+        <p:txBody>
+          <a:bodyPr wrap="square" rtlCol="0" anchor="t">
+            <a:spAutoFit/>
+          </a:bodyPr>
+          <a:p>
+            <a:r>
+              <a:rPr lang="en-US" altLang="en-US"/>
+              <a:t>https://www.ablebits.com/office-addins-blog/excel-format-number-text/</a:t>
+            </a:r>
+            <a:endParaRPr lang="en-US"/>
+          </a:p>
+        </p:txBody>
+      </p:sp>
+      <p:sp>
+        <p:nvSpPr>
+          <p:cNvPr id="4" name="Text Box 3"/>
+          <p:cNvSpPr txBox="1"/>
+          <p:nvPr/>
+        </p:nvSpPr>
+        <p:spPr>
+          <a:xfrm>
+            <a:off x="4721225" y="5317490"/>
+            <a:ext cx="7378065" cy="645160"/>
+          </a:xfrm>
+          <a:prstGeom prst="rect">
+            <a:avLst/>
+          </a:prstGeom>
+          <a:noFill/>
+        </p:spPr>
+        <p:txBody>
+          <a:bodyPr wrap="square" rtlCol="0" anchor="t">
+            <a:spAutoFit/>
+          </a:bodyPr>
+          <a:p>
+            <a:r>
+              <a:rPr lang="en-US" altLang="en-US"/>
+              <a:t>https://www.ablebits.com/office-addins-blog/custom-excel-number-format/</a:t>
+            </a:r>
+            <a:endParaRPr lang="en-US"/>
           </a:p>
         </p:txBody>
       </p:sp>
